--- a/Kavitha N .ppt.pptx
+++ b/Kavitha N .ppt.pptx
@@ -2,26 +2,26 @@
 <file path=ppt/presentation.xml><?xml version="1.0" encoding="utf-8"?>
 <p:presentation xmlns:p="http://schemas.openxmlformats.org/presentationml/2006/main" xmlns:r="http://schemas.openxmlformats.org/officeDocument/2006/relationships" xmlns:a="http://schemas.openxmlformats.org/drawingml/2006/main">
   <p:sldMasterIdLst>
-    <p:sldMasterId id="2147483654" r:id="rId1"/>
+    <p:sldMasterId id="2147483648" r:id="rId1"/>
   </p:sldMasterIdLst>
   <p:notesMasterIdLst>
     <p:notesMasterId r:id="rId2"/>
   </p:notesMasterIdLst>
   <p:sldIdLst>
-    <p:sldId id="270" r:id="rId3"/>
-    <p:sldId id="271" r:id="rId4"/>
-    <p:sldId id="272" r:id="rId5"/>
-    <p:sldId id="273" r:id="rId6"/>
-    <p:sldId id="274" r:id="rId7"/>
-    <p:sldId id="275" r:id="rId8"/>
-    <p:sldId id="276" r:id="rId9"/>
-    <p:sldId id="277" r:id="rId10"/>
-    <p:sldId id="278" r:id="rId11"/>
-    <p:sldId id="279" r:id="rId12"/>
-    <p:sldId id="283" r:id="rId13"/>
-    <p:sldId id="284" r:id="rId14"/>
-    <p:sldId id="282" r:id="rId15"/>
-    <p:sldId id="285" r:id="rId16"/>
+    <p:sldId id="257" r:id="rId3"/>
+    <p:sldId id="258" r:id="rId4"/>
+    <p:sldId id="259" r:id="rId5"/>
+    <p:sldId id="260" r:id="rId6"/>
+    <p:sldId id="261" r:id="rId7"/>
+    <p:sldId id="262" r:id="rId8"/>
+    <p:sldId id="263" r:id="rId9"/>
+    <p:sldId id="264" r:id="rId10"/>
+    <p:sldId id="265" r:id="rId11"/>
+    <p:sldId id="266" r:id="rId12"/>
+    <p:sldId id="268" r:id="rId13"/>
+    <p:sldId id="269" r:id="rId14"/>
+    <p:sldId id="270" r:id="rId15"/>
+    <p:sldId id="271" r:id="rId16"/>
   </p:sldIdLst>
   <p:sldSz type="screen16x9" cy="6858000" cx="12192000"/>
   <p:notesSz cx="12192000" cy="6858000"/>
@@ -133,7 +133,7 @@
     </p:bg>
     <p:spTree>
       <p:nvGrpSpPr>
-        <p:cNvPr id="44" name=""/>
+        <p:cNvPr id="50" name=""/>
         <p:cNvGrpSpPr/>
         <p:nvPr/>
       </p:nvGrpSpPr>
@@ -147,7 +147,7 @@
       </p:grpSpPr>
       <p:sp>
         <p:nvSpPr>
-          <p:cNvPr id="1048694" name="Header Placeholder 1"/>
+          <p:cNvPr id="1048698" name="Header Placeholder 1"/>
           <p:cNvSpPr>
             <a:spLocks noGrp="1"/>
           </p:cNvSpPr>
@@ -176,7 +176,7 @@
       </p:sp>
       <p:sp>
         <p:nvSpPr>
-          <p:cNvPr id="1048695" name="Date Placeholder 2"/>
+          <p:cNvPr id="1048699" name="Date Placeholder 2"/>
           <p:cNvSpPr>
             <a:spLocks noGrp="1"/>
           </p:cNvSpPr>
@@ -209,7 +209,7 @@
       </p:sp>
       <p:sp>
         <p:nvSpPr>
-          <p:cNvPr id="1048696" name="Slide Image Placeholder 3"/>
+          <p:cNvPr id="1048700" name="Slide Image Placeholder 3"/>
           <p:cNvSpPr>
             <a:spLocks noChangeAspect="1" noRot="1" noGrp="1"/>
           </p:cNvSpPr>
@@ -239,7 +239,7 @@
       </p:sp>
       <p:sp>
         <p:nvSpPr>
-          <p:cNvPr id="1048697" name="Notes Placeholder 4"/>
+          <p:cNvPr id="1048701" name="Notes Placeholder 4"/>
           <p:cNvSpPr>
             <a:spLocks noGrp="1"/>
           </p:cNvSpPr>
@@ -296,7 +296,7 @@
       </p:sp>
       <p:sp>
         <p:nvSpPr>
-          <p:cNvPr id="1048698" name="Footer Placeholder 5"/>
+          <p:cNvPr id="1048702" name="Footer Placeholder 5"/>
           <p:cNvSpPr>
             <a:spLocks noGrp="1"/>
           </p:cNvSpPr>
@@ -325,7 +325,7 @@
       </p:sp>
       <p:sp>
         <p:nvSpPr>
-          <p:cNvPr id="1048699" name="Slide Number Placeholder 6"/>
+          <p:cNvPr id="1048703" name="Slide Number Placeholder 6"/>
           <p:cNvSpPr>
             <a:spLocks noGrp="1"/>
           </p:cNvSpPr>
@@ -721,7 +721,7 @@
   <p:cSld name="Title and Content">
     <p:spTree>
       <p:nvGrpSpPr>
-        <p:cNvPr id="41" name=""/>
+        <p:cNvPr id="48" name=""/>
         <p:cNvGrpSpPr/>
         <p:nvPr/>
       </p:nvGrpSpPr>
@@ -735,7 +735,7 @@
       </p:grpSpPr>
       <p:sp>
         <p:nvSpPr>
-          <p:cNvPr id="1048680" name="Holder 2"/>
+          <p:cNvPr id="1048687" name="Holder 2"/>
           <p:cNvSpPr>
             <a:spLocks noGrp="1"/>
           </p:cNvSpPr>
@@ -767,7 +767,7 @@
       </p:sp>
       <p:sp>
         <p:nvSpPr>
-          <p:cNvPr id="1048681" name="Holder 3"/>
+          <p:cNvPr id="1048688" name="Holder 3"/>
           <p:cNvSpPr>
             <a:spLocks noGrp="1"/>
           </p:cNvSpPr>
@@ -788,7 +788,7 @@
       </p:sp>
       <p:sp>
         <p:nvSpPr>
-          <p:cNvPr id="1048682" name="Holder 4"/>
+          <p:cNvPr id="1048689" name="Holder 4"/>
           <p:cNvSpPr>
             <a:spLocks noGrp="1"/>
           </p:cNvSpPr>
@@ -815,7 +815,7 @@
       </p:sp>
       <p:sp>
         <p:nvSpPr>
-          <p:cNvPr id="1048683" name="Holder 5"/>
+          <p:cNvPr id="1048690" name="Holder 5"/>
           <p:cNvSpPr>
             <a:spLocks noGrp="1"/>
           </p:cNvSpPr>
@@ -848,7 +848,7 @@
       </p:sp>
       <p:sp>
         <p:nvSpPr>
-          <p:cNvPr id="1048684" name="Holder 6"/>
+          <p:cNvPr id="1048691" name="Holder 6"/>
           <p:cNvSpPr>
             <a:spLocks noGrp="1"/>
           </p:cNvSpPr>
@@ -900,7 +900,7 @@
   <p:cSld name="Two Content">
     <p:spTree>
       <p:nvGrpSpPr>
-        <p:cNvPr id="42" name=""/>
+        <p:cNvPr id="49" name=""/>
         <p:cNvGrpSpPr/>
         <p:nvPr/>
       </p:nvGrpSpPr>
@@ -914,7 +914,7 @@
       </p:grpSpPr>
       <p:sp>
         <p:nvSpPr>
-          <p:cNvPr id="1048685" name="Holder 2"/>
+          <p:cNvPr id="1048692" name="Holder 2"/>
           <p:cNvSpPr>
             <a:spLocks noGrp="1"/>
           </p:cNvSpPr>
@@ -946,7 +946,7 @@
       </p:sp>
       <p:sp>
         <p:nvSpPr>
-          <p:cNvPr id="1048686" name="Holder 3"/>
+          <p:cNvPr id="1048693" name="Holder 3"/>
           <p:cNvSpPr>
             <a:spLocks noGrp="1"/>
           </p:cNvSpPr>
@@ -970,7 +970,7 @@
       </p:sp>
       <p:sp>
         <p:nvSpPr>
-          <p:cNvPr id="1048687" name="Holder 4"/>
+          <p:cNvPr id="1048694" name="Holder 4"/>
           <p:cNvSpPr>
             <a:spLocks noGrp="1"/>
           </p:cNvSpPr>
@@ -994,7 +994,7 @@
       </p:sp>
       <p:sp>
         <p:nvSpPr>
-          <p:cNvPr id="1048688" name="Holder 5"/>
+          <p:cNvPr id="1048695" name="Holder 5"/>
           <p:cNvSpPr>
             <a:spLocks noGrp="1"/>
           </p:cNvSpPr>
@@ -1021,7 +1021,7 @@
       </p:sp>
       <p:sp>
         <p:nvSpPr>
-          <p:cNvPr id="1048689" name="Holder 6"/>
+          <p:cNvPr id="1048696" name="Holder 6"/>
           <p:cNvSpPr>
             <a:spLocks noGrp="1"/>
           </p:cNvSpPr>
@@ -1054,7 +1054,7 @@
       </p:sp>
       <p:sp>
         <p:nvSpPr>
-          <p:cNvPr id="1048690" name="Holder 7"/>
+          <p:cNvPr id="1048697" name="Holder 7"/>
           <p:cNvSpPr>
             <a:spLocks noGrp="1"/>
           </p:cNvSpPr>
@@ -1106,7 +1106,7 @@
   <p:cSld name="Title Only">
     <p:spTree>
       <p:nvGrpSpPr>
-        <p:cNvPr id="24" name=""/>
+        <p:cNvPr id="27" name=""/>
         <p:cNvGrpSpPr/>
         <p:nvPr/>
       </p:nvGrpSpPr>
@@ -1278,7 +1278,7 @@
       </p:grpSpPr>
       <p:sp>
         <p:nvSpPr>
-          <p:cNvPr id="1048691" name="Holder 2"/>
+          <p:cNvPr id="1048681" name="Holder 2"/>
           <p:cNvSpPr>
             <a:spLocks noGrp="1"/>
           </p:cNvSpPr>
@@ -1305,7 +1305,7 @@
       </p:sp>
       <p:sp>
         <p:nvSpPr>
-          <p:cNvPr id="1048692" name="Holder 3"/>
+          <p:cNvPr id="1048682" name="Holder 3"/>
           <p:cNvSpPr>
             <a:spLocks noGrp="1"/>
           </p:cNvSpPr>
@@ -1338,7 +1338,7 @@
       </p:sp>
       <p:sp>
         <p:nvSpPr>
-          <p:cNvPr id="1048693" name="Holder 4"/>
+          <p:cNvPr id="1048683" name="Holder 4"/>
           <p:cNvSpPr>
             <a:spLocks noGrp="1"/>
           </p:cNvSpPr>
@@ -2039,11 +2039,11 @@
   </p:cSld>
   <p:clrMap accent1="accent1" accent2="accent2" accent3="accent3" accent4="accent4" accent5="accent5" accent6="accent6" bg1="lt1" bg2="lt2" tx1="dk1" tx2="dk2" hlink="hlink" folHlink="folHlink"/>
   <p:sldLayoutIdLst>
-    <p:sldLayoutId id="2147483655" r:id="rId1"/>
-    <p:sldLayoutId id="2147483656" r:id="rId2"/>
-    <p:sldLayoutId id="2147483657" r:id="rId3"/>
-    <p:sldLayoutId id="2147483658" r:id="rId4"/>
-    <p:sldLayoutId id="2147483659" r:id="rId5"/>
+    <p:sldLayoutId id="2147483649" r:id="rId1"/>
+    <p:sldLayoutId id="2147483650" r:id="rId2"/>
+    <p:sldLayoutId id="2147483651" r:id="rId3"/>
+    <p:sldLayoutId id="2147483652" r:id="rId4"/>
+    <p:sldLayoutId id="2147483653" r:id="rId5"/>
   </p:sldLayoutIdLst>
   <p:txStyles>
     <p:titleStyle>
@@ -2686,7 +2686,7 @@
   <p:cSld>
     <p:spTree>
       <p:nvGrpSpPr>
-        <p:cNvPr id="39" name=""/>
+        <p:cNvPr id="42" name=""/>
         <p:cNvGrpSpPr/>
         <p:nvPr/>
       </p:nvGrpSpPr>
@@ -2700,7 +2700,7 @@
       </p:grpSpPr>
       <p:sp>
         <p:nvSpPr>
-          <p:cNvPr id="1048668" name="object 2"/>
+          <p:cNvPr id="1048674" name="object 2"/>
           <p:cNvSpPr txBox="1"/>
           <p:nvPr/>
         </p:nvSpPr>
@@ -2870,7 +2870,7 @@
       </p:sp>
       <p:sp>
         <p:nvSpPr>
-          <p:cNvPr id="1048669" name="object 3"/>
+          <p:cNvPr id="1048675" name="object 3"/>
           <p:cNvSpPr/>
           <p:nvPr/>
         </p:nvSpPr>
@@ -2915,7 +2915,7 @@
       </p:sp>
       <p:sp>
         <p:nvSpPr>
-          <p:cNvPr id="1048670" name="object 4"/>
+          <p:cNvPr id="1048676" name="object 4"/>
           <p:cNvSpPr/>
           <p:nvPr/>
         </p:nvSpPr>
@@ -2960,7 +2960,7 @@
       </p:sp>
       <p:sp>
         <p:nvSpPr>
-          <p:cNvPr id="1048671" name="object 5"/>
+          <p:cNvPr id="1048677" name="object 5"/>
           <p:cNvSpPr/>
           <p:nvPr/>
         </p:nvSpPr>
@@ -3027,7 +3027,7 @@
       </p:pic>
       <p:sp>
         <p:nvSpPr>
-          <p:cNvPr id="1048672" name="object 7"/>
+          <p:cNvPr id="1048678" name="object 7"/>
           <p:cNvSpPr txBox="1">
             <a:spLocks noGrp="1"/>
           </p:cNvSpPr>
@@ -3065,7 +3065,7 @@
       </p:sp>
       <p:sp>
         <p:nvSpPr>
-          <p:cNvPr id="1048673" name="object 8"/>
+          <p:cNvPr id="1048679" name="object 8"/>
           <p:cNvSpPr txBox="1"/>
           <p:nvPr/>
         </p:nvSpPr>
@@ -3108,7 +3108,7 @@
       </p:sp>
       <p:sp>
         <p:nvSpPr>
-          <p:cNvPr id="1048674" name="TextBox 8"/>
+          <p:cNvPr id="1048680" name="TextBox 8"/>
           <p:cNvSpPr txBox="1"/>
           <p:nvPr/>
         </p:nvSpPr>
@@ -3235,6 +3235,188 @@
 </file>
 
 <file path=ppt/slides/slide11.xml><?xml version="1.0" encoding="utf-8"?>
+<p:sld xmlns:a="http://schemas.openxmlformats.org/drawingml/2006/main" xmlns:r="http://schemas.openxmlformats.org/officeDocument/2006/relationships" xmlns:p="http://schemas.openxmlformats.org/presentationml/2006/main">
+  <p:cSld>
+    <p:spTree>
+      <p:nvGrpSpPr>
+        <p:cNvPr id="44" name=""/>
+        <p:cNvGrpSpPr/>
+        <p:nvPr/>
+      </p:nvGrpSpPr>
+      <p:grpSpPr>
+        <a:xfrm>
+          <a:off x="0" y="0"/>
+          <a:ext cx="0" cy="0"/>
+          <a:chOff x="0" y="0"/>
+          <a:chExt cx="0" cy="0"/>
+        </a:xfrm>
+      </p:grpSpPr>
+      <p:pic>
+        <p:nvPicPr>
+          <p:cNvPr id="2097167" name=""/>
+          <p:cNvPicPr>
+            <a:picLocks/>
+          </p:cNvPicPr>
+          <p:nvPr/>
+        </p:nvPicPr>
+        <p:blipFill>
+          <a:blip xmlns:r="http://schemas.openxmlformats.org/officeDocument/2006/relationships" r:embed="rId1"/>
+          <a:stretch>
+            <a:fillRect/>
+          </a:stretch>
+        </p:blipFill>
+        <p:spPr>
+          <a:xfrm rot="0">
+            <a:off x="401354" y="-212640"/>
+            <a:ext cx="3004589" cy="6858000"/>
+          </a:xfrm>
+          <a:prstGeom prst="rect"/>
+        </p:spPr>
+      </p:pic>
+      <p:pic>
+        <p:nvPicPr>
+          <p:cNvPr id="2097168" name=""/>
+          <p:cNvPicPr>
+            <a:picLocks/>
+          </p:cNvPicPr>
+          <p:nvPr/>
+        </p:nvPicPr>
+        <p:blipFill>
+          <a:blip xmlns:r="http://schemas.openxmlformats.org/officeDocument/2006/relationships" r:embed="rId2"/>
+          <a:stretch>
+            <a:fillRect/>
+          </a:stretch>
+        </p:blipFill>
+        <p:spPr>
+          <a:xfrm rot="0">
+            <a:off x="3574720" y="0"/>
+            <a:ext cx="2987362" cy="6633701"/>
+          </a:xfrm>
+          <a:prstGeom prst="rect"/>
+        </p:spPr>
+      </p:pic>
+      <p:pic>
+        <p:nvPicPr>
+          <p:cNvPr id="2097169" name=""/>
+          <p:cNvPicPr>
+            <a:picLocks/>
+          </p:cNvPicPr>
+          <p:nvPr/>
+        </p:nvPicPr>
+        <p:blipFill>
+          <a:blip xmlns:r="http://schemas.openxmlformats.org/officeDocument/2006/relationships" r:embed="rId3"/>
+          <a:stretch>
+            <a:fillRect/>
+          </a:stretch>
+        </p:blipFill>
+        <p:spPr>
+          <a:xfrm rot="0">
+            <a:off x="6562082" y="-212640"/>
+            <a:ext cx="3088371" cy="6858000"/>
+          </a:xfrm>
+          <a:prstGeom prst="rect"/>
+        </p:spPr>
+      </p:pic>
+    </p:spTree>
+  </p:cSld>
+  <p:clrMapOvr>
+    <a:masterClrMapping/>
+  </p:clrMapOvr>
+</p:sld>
+</file>
+
+<file path=ppt/slides/slide12.xml><?xml version="1.0" encoding="utf-8"?>
+<p:sld xmlns:a="http://schemas.openxmlformats.org/drawingml/2006/main" xmlns:r="http://schemas.openxmlformats.org/officeDocument/2006/relationships" xmlns:p="http://schemas.openxmlformats.org/presentationml/2006/main">
+  <p:cSld>
+    <p:spTree>
+      <p:nvGrpSpPr>
+        <p:cNvPr id="45" name=""/>
+        <p:cNvGrpSpPr/>
+        <p:nvPr/>
+      </p:nvGrpSpPr>
+      <p:grpSpPr>
+        <a:xfrm>
+          <a:off x="0" y="0"/>
+          <a:ext cx="0" cy="0"/>
+          <a:chOff x="0" y="0"/>
+          <a:chExt cx="0" cy="0"/>
+        </a:xfrm>
+      </p:grpSpPr>
+      <p:pic>
+        <p:nvPicPr>
+          <p:cNvPr id="2097170" name=""/>
+          <p:cNvPicPr>
+            <a:picLocks/>
+          </p:cNvPicPr>
+          <p:nvPr/>
+        </p:nvPicPr>
+        <p:blipFill>
+          <a:blip xmlns:r="http://schemas.openxmlformats.org/officeDocument/2006/relationships" r:embed="rId1"/>
+          <a:stretch>
+            <a:fillRect/>
+          </a:stretch>
+        </p:blipFill>
+        <p:spPr>
+          <a:xfrm rot="0">
+            <a:off x="0" y="-271705"/>
+            <a:ext cx="3446570" cy="6858000"/>
+          </a:xfrm>
+          <a:prstGeom prst="rect"/>
+        </p:spPr>
+      </p:pic>
+      <p:pic>
+        <p:nvPicPr>
+          <p:cNvPr id="2097171" name=""/>
+          <p:cNvPicPr>
+            <a:picLocks/>
+          </p:cNvPicPr>
+          <p:nvPr/>
+        </p:nvPicPr>
+        <p:blipFill>
+          <a:blip xmlns:r="http://schemas.openxmlformats.org/officeDocument/2006/relationships" r:embed="rId2"/>
+          <a:stretch>
+            <a:fillRect/>
+          </a:stretch>
+        </p:blipFill>
+        <p:spPr>
+          <a:xfrm rot="0">
+            <a:off x="3665253" y="0"/>
+            <a:ext cx="3645790" cy="6858000"/>
+          </a:xfrm>
+          <a:prstGeom prst="rect"/>
+        </p:spPr>
+      </p:pic>
+      <p:pic>
+        <p:nvPicPr>
+          <p:cNvPr id="2097172" name=""/>
+          <p:cNvPicPr>
+            <a:picLocks/>
+          </p:cNvPicPr>
+          <p:nvPr/>
+        </p:nvPicPr>
+        <p:blipFill>
+          <a:blip xmlns:r="http://schemas.openxmlformats.org/officeDocument/2006/relationships" r:embed="rId3"/>
+          <a:stretch>
+            <a:fillRect/>
+          </a:stretch>
+        </p:blipFill>
+        <p:spPr>
+          <a:xfrm rot="0">
+            <a:off x="7529727" y="0"/>
+            <a:ext cx="3364593" cy="6858000"/>
+          </a:xfrm>
+          <a:prstGeom prst="rect"/>
+        </p:spPr>
+      </p:pic>
+    </p:spTree>
+  </p:cSld>
+  <p:clrMapOvr>
+    <a:masterClrMapping/>
+  </p:clrMapOvr>
+</p:sld>
+</file>
+
+<file path=ppt/slides/slide13.xml><?xml version="1.0" encoding="utf-8"?>
 <p:sld xmlns:a="http://schemas.openxmlformats.org/drawingml/2006/main" xmlns:r="http://schemas.openxmlformats.org/officeDocument/2006/relationships" xmlns:p="http://schemas.openxmlformats.org/presentationml/2006/main">
   <p:cSld>
     <p:spTree>
@@ -3251,72 +3433,146 @@
           <a:chExt cx="0" cy="0"/>
         </a:xfrm>
       </p:grpSpPr>
-      <p:pic>
-        <p:nvPicPr>
-          <p:cNvPr id="2097168" name=""/>
-          <p:cNvPicPr>
-            <a:picLocks/>
-          </p:cNvPicPr>
+      <p:sp>
+        <p:nvSpPr>
+          <p:cNvPr id="1048684" name=""/>
+          <p:cNvSpPr txBox="1"/>
           <p:nvPr/>
-        </p:nvPicPr>
-        <p:blipFill>
-          <a:blip xmlns:r="http://schemas.openxmlformats.org/officeDocument/2006/relationships" r:embed="rId1"/>
-          <a:stretch>
-            <a:fillRect/>
-          </a:stretch>
-        </p:blipFill>
-        <p:spPr>
-          <a:xfrm rot="0">
-            <a:off x="401354" y="-212640"/>
-            <a:ext cx="3004589" cy="6858000"/>
+        </p:nvSpPr>
+        <p:spPr>
+          <a:xfrm>
+            <a:off x="1125577" y="1543066"/>
+            <a:ext cx="6626318" cy="4701540"/>
           </a:xfrm>
           <a:prstGeom prst="rect"/>
         </p:spPr>
-      </p:pic>
-      <p:pic>
-        <p:nvPicPr>
-          <p:cNvPr id="2097169" name=""/>
-          <p:cNvPicPr>
-            <a:picLocks/>
-          </p:cNvPicPr>
+        <p:txBody>
+          <a:bodyPr rtlCol="0" wrap="square">
+            <a:spAutoFit/>
+          </a:bodyPr>
+          <a:p>
+            <a:r>
+              <a:rPr sz="2800" lang="en-IN">
+                <a:solidFill>
+                  <a:srgbClr val="000000"/>
+                </a:solidFill>
+              </a:rPr>
+              <a:t>The personal portfolio website successfully showcases Kavitha N’s skills, creativity, and professionalism in an elegant and simple way. It not only acts as a professional digital identity but also provides recruiters and clients with an easy way to connect. Future improvements could include integrating a blog section, project showcases, or animations to further enhance engagement.</a:t>
+            </a:r>
+            <a:endParaRPr sz="2800" lang="en-IN">
+              <a:solidFill>
+                <a:srgbClr val="000000"/>
+              </a:solidFill>
+            </a:endParaRPr>
+          </a:p>
+        </p:txBody>
+      </p:sp>
+      <p:sp>
+        <p:nvSpPr>
+          <p:cNvPr id="1048685" name=""/>
+          <p:cNvSpPr txBox="1"/>
           <p:nvPr/>
-        </p:nvPicPr>
-        <p:blipFill>
-          <a:blip xmlns:r="http://schemas.openxmlformats.org/officeDocument/2006/relationships" r:embed="rId2"/>
-          <a:stretch>
-            <a:fillRect/>
-          </a:stretch>
-        </p:blipFill>
-        <p:spPr>
-          <a:xfrm rot="0">
-            <a:off x="3574720" y="0"/>
-            <a:ext cx="2987362" cy="6633701"/>
+        </p:nvSpPr>
+        <p:spPr>
+          <a:xfrm>
+            <a:off x="905480" y="319175"/>
+            <a:ext cx="6846414" cy="891540"/>
           </a:xfrm>
           <a:prstGeom prst="rect"/>
         </p:spPr>
-      </p:pic>
-      <p:pic>
-        <p:nvPicPr>
-          <p:cNvPr id="2097170" name=""/>
-          <p:cNvPicPr>
-            <a:picLocks/>
-          </p:cNvPicPr>
-          <p:nvPr/>
-        </p:nvPicPr>
-        <p:blipFill>
-          <a:blip xmlns:r="http://schemas.openxmlformats.org/officeDocument/2006/relationships" r:embed="rId3"/>
-          <a:stretch>
-            <a:fillRect/>
-          </a:stretch>
-        </p:blipFill>
-        <p:spPr>
-          <a:xfrm rot="0">
-            <a:off x="6562082" y="-212640"/>
-            <a:ext cx="3088371" cy="6858000"/>
-          </a:xfrm>
-          <a:prstGeom prst="rect"/>
-        </p:spPr>
-      </p:pic>
+        <p:txBody>
+          <a:bodyPr rtlCol="0" wrap="square">
+            <a:spAutoFit/>
+          </a:bodyPr>
+          <a:p>
+            <a:r>
+              <a:rPr altLang="en-IN" sz="5400" lang="en-US">
+                <a:solidFill>
+                  <a:srgbClr val="000000"/>
+                </a:solidFill>
+              </a:rPr>
+              <a:t>C</a:t>
+            </a:r>
+            <a:r>
+              <a:rPr altLang="en-IN" sz="5400" lang="en-US">
+                <a:solidFill>
+                  <a:srgbClr val="000000"/>
+                </a:solidFill>
+              </a:rPr>
+              <a:t>o</a:t>
+            </a:r>
+            <a:r>
+              <a:rPr altLang="en-IN" sz="5400" lang="en-US">
+                <a:solidFill>
+                  <a:srgbClr val="000000"/>
+                </a:solidFill>
+              </a:rPr>
+              <a:t>n</a:t>
+            </a:r>
+            <a:r>
+              <a:rPr altLang="en-IN" sz="5400" lang="en-US">
+                <a:solidFill>
+                  <a:srgbClr val="000000"/>
+                </a:solidFill>
+              </a:rPr>
+              <a:t>c</a:t>
+            </a:r>
+            <a:r>
+              <a:rPr altLang="en-IN" sz="5400" lang="en-US">
+                <a:solidFill>
+                  <a:srgbClr val="000000"/>
+                </a:solidFill>
+              </a:rPr>
+              <a:t>l</a:t>
+            </a:r>
+            <a:r>
+              <a:rPr altLang="en-IN" sz="5400" lang="en-US">
+                <a:solidFill>
+                  <a:srgbClr val="000000"/>
+                </a:solidFill>
+              </a:rPr>
+              <a:t>u</a:t>
+            </a:r>
+            <a:r>
+              <a:rPr altLang="en-IN" sz="5400" lang="en-US">
+                <a:solidFill>
+                  <a:srgbClr val="000000"/>
+                </a:solidFill>
+              </a:rPr>
+              <a:t>s</a:t>
+            </a:r>
+            <a:r>
+              <a:rPr altLang="en-IN" sz="5400" lang="en-US">
+                <a:solidFill>
+                  <a:srgbClr val="000000"/>
+                </a:solidFill>
+              </a:rPr>
+              <a:t>i</a:t>
+            </a:r>
+            <a:r>
+              <a:rPr altLang="en-IN" sz="5400" lang="en-US">
+                <a:solidFill>
+                  <a:srgbClr val="000000"/>
+                </a:solidFill>
+              </a:rPr>
+              <a:t>o</a:t>
+            </a:r>
+            <a:r>
+              <a:rPr altLang="en-IN" sz="5400" lang="en-US">
+                <a:solidFill>
+                  <a:srgbClr val="000000"/>
+                </a:solidFill>
+              </a:rPr>
+              <a:t>n</a:t>
+            </a:r>
+            <a:endParaRPr sz="2800" lang="en-IN">
+              <a:solidFill>
+                <a:srgbClr val="000000"/>
+              </a:solidFill>
+            </a:endParaRPr>
+          </a:p>
+        </p:txBody>
+      </p:sp>
     </p:spTree>
   </p:cSld>
   <p:clrMapOvr>
@@ -3325,7 +3581,7 @@
 </p:sld>
 </file>
 
-<file path=ppt/slides/slide12.xml><?xml version="1.0" encoding="utf-8"?>
+<file path=ppt/slides/slide14.xml><?xml version="1.0" encoding="utf-8"?>
 <p:sld xmlns:a="http://schemas.openxmlformats.org/drawingml/2006/main" xmlns:r="http://schemas.openxmlformats.org/officeDocument/2006/relationships" xmlns:p="http://schemas.openxmlformats.org/presentationml/2006/main">
   <p:cSld>
     <p:spTree>
@@ -3342,107 +3598,16 @@
           <a:chExt cx="0" cy="0"/>
         </a:xfrm>
       </p:grpSpPr>
-      <p:pic>
-        <p:nvPicPr>
-          <p:cNvPr id="2097171" name=""/>
-          <p:cNvPicPr>
-            <a:picLocks/>
-          </p:cNvPicPr>
-          <p:nvPr/>
-        </p:nvPicPr>
-        <p:blipFill>
-          <a:blip xmlns:r="http://schemas.openxmlformats.org/officeDocument/2006/relationships" r:embed="rId1"/>
-          <a:stretch>
-            <a:fillRect/>
-          </a:stretch>
-        </p:blipFill>
-        <p:spPr>
-          <a:xfrm rot="0">
-            <a:off x="0" y="-271705"/>
-            <a:ext cx="3446570" cy="6858000"/>
-          </a:xfrm>
-          <a:prstGeom prst="rect"/>
-        </p:spPr>
-      </p:pic>
-      <p:pic>
-        <p:nvPicPr>
-          <p:cNvPr id="2097172" name=""/>
-          <p:cNvPicPr>
-            <a:picLocks/>
-          </p:cNvPicPr>
-          <p:nvPr/>
-        </p:nvPicPr>
-        <p:blipFill>
-          <a:blip xmlns:r="http://schemas.openxmlformats.org/officeDocument/2006/relationships" r:embed="rId2"/>
-          <a:stretch>
-            <a:fillRect/>
-          </a:stretch>
-        </p:blipFill>
-        <p:spPr>
-          <a:xfrm rot="0">
-            <a:off x="3665253" y="0"/>
-            <a:ext cx="3645790" cy="6858000"/>
-          </a:xfrm>
-          <a:prstGeom prst="rect"/>
-        </p:spPr>
-      </p:pic>
-      <p:pic>
-        <p:nvPicPr>
-          <p:cNvPr id="2097173" name=""/>
-          <p:cNvPicPr>
-            <a:picLocks/>
-          </p:cNvPicPr>
-          <p:nvPr/>
-        </p:nvPicPr>
-        <p:blipFill>
-          <a:blip xmlns:r="http://schemas.openxmlformats.org/officeDocument/2006/relationships" r:embed="rId3"/>
-          <a:stretch>
-            <a:fillRect/>
-          </a:stretch>
-        </p:blipFill>
-        <p:spPr>
-          <a:xfrm rot="0">
-            <a:off x="7529727" y="0"/>
-            <a:ext cx="3364593" cy="6858000"/>
-          </a:xfrm>
-          <a:prstGeom prst="rect"/>
-        </p:spPr>
-      </p:pic>
-    </p:spTree>
-  </p:cSld>
-  <p:clrMapOvr>
-    <a:masterClrMapping/>
-  </p:clrMapOvr>
-</p:sld>
-</file>
-
-<file path=ppt/slides/slide13.xml><?xml version="1.0" encoding="utf-8"?>
-<p:sld xmlns:a="http://schemas.openxmlformats.org/drawingml/2006/main" xmlns:r="http://schemas.openxmlformats.org/officeDocument/2006/relationships" xmlns:p="http://schemas.openxmlformats.org/presentationml/2006/main">
-  <p:cSld>
-    <p:spTree>
-      <p:nvGrpSpPr>
-        <p:cNvPr id="45" name=""/>
-        <p:cNvGrpSpPr/>
-        <p:nvPr/>
-      </p:nvGrpSpPr>
-      <p:grpSpPr>
-        <a:xfrm>
-          <a:off x="0" y="0"/>
-          <a:ext cx="0" cy="0"/>
-          <a:chOff x="0" y="0"/>
-          <a:chExt cx="0" cy="0"/>
-        </a:xfrm>
-      </p:grpSpPr>
-      <p:sp>
-        <p:nvSpPr>
-          <p:cNvPr id="1048709" name=""/>
+      <p:sp>
+        <p:nvSpPr>
+          <p:cNvPr id="1048686" name=""/>
           <p:cNvSpPr txBox="1"/>
           <p:nvPr/>
         </p:nvSpPr>
         <p:spPr>
           <a:xfrm>
-            <a:off x="1125577" y="1543066"/>
-            <a:ext cx="6626318" cy="4701540"/>
+            <a:off x="288313" y="3173729"/>
+            <a:ext cx="11500732" cy="510540"/>
           </a:xfrm>
           <a:prstGeom prst="rect"/>
         </p:spPr>
@@ -3456,173 +3621,25 @@
                 <a:solidFill>
                   <a:srgbClr val="000000"/>
                 </a:solidFill>
+                <a:hlinkClick r:id="rId1"/>
               </a:rPr>
-              <a:t>The personal portfolio website successfully showcases Kavitha N’s skills, creativity, and professionalism in an elegant and simple way. It not only acts as a professional digital identity but also provides recruiters and clients with an easy way to connect. Future improvements could include integrating a blog section, project showcases, or animations to further enhance engagement.</a:t>
-            </a:r>
-            <a:endParaRPr sz="2800" lang="en-IN">
-              <a:solidFill>
-                <a:srgbClr val="000000"/>
-              </a:solidFill>
-            </a:endParaRPr>
-          </a:p>
-        </p:txBody>
-      </p:sp>
-      <p:sp>
-        <p:nvSpPr>
-          <p:cNvPr id="1048710" name=""/>
-          <p:cNvSpPr txBox="1"/>
-          <p:nvPr/>
-        </p:nvSpPr>
-        <p:spPr>
-          <a:xfrm>
-            <a:off x="905480" y="319175"/>
-            <a:ext cx="6846414" cy="891540"/>
-          </a:xfrm>
-          <a:prstGeom prst="rect"/>
-        </p:spPr>
-        <p:txBody>
-          <a:bodyPr rtlCol="0" wrap="square">
-            <a:spAutoFit/>
-          </a:bodyPr>
-          <a:p>
-            <a:r>
-              <a:rPr altLang="en-IN" sz="5400" lang="en-US">
+              <a:t>https://kavi16999.github.io/Naan-Mudhalvan-Portfolio</a:t>
+            </a:r>
+            <a:r>
+              <a:rPr altLang="en-IN" sz="2800" lang="en-US">
                 <a:solidFill>
                   <a:srgbClr val="000000"/>
                 </a:solidFill>
               </a:rPr>
-              <a:t>C</a:t>
-            </a:r>
-            <a:r>
-              <a:rPr altLang="en-IN" sz="5400" lang="en-US">
+              <a:t> </a:t>
+            </a:r>
+            <a:r>
+              <a:rPr sz="2800" lang="en-IN">
                 <a:solidFill>
                   <a:srgbClr val="000000"/>
                 </a:solidFill>
               </a:rPr>
-              <a:t>o</a:t>
-            </a:r>
-            <a:r>
-              <a:rPr altLang="en-IN" sz="5400" lang="en-US">
-                <a:solidFill>
-                  <a:srgbClr val="000000"/>
-                </a:solidFill>
-              </a:rPr>
-              <a:t>n</a:t>
-            </a:r>
-            <a:r>
-              <a:rPr altLang="en-IN" sz="5400" lang="en-US">
-                <a:solidFill>
-                  <a:srgbClr val="000000"/>
-                </a:solidFill>
-              </a:rPr>
-              <a:t>c</a:t>
-            </a:r>
-            <a:r>
-              <a:rPr altLang="en-IN" sz="5400" lang="en-US">
-                <a:solidFill>
-                  <a:srgbClr val="000000"/>
-                </a:solidFill>
-              </a:rPr>
-              <a:t>l</a:t>
-            </a:r>
-            <a:r>
-              <a:rPr altLang="en-IN" sz="5400" lang="en-US">
-                <a:solidFill>
-                  <a:srgbClr val="000000"/>
-                </a:solidFill>
-              </a:rPr>
-              <a:t>u</a:t>
-            </a:r>
-            <a:r>
-              <a:rPr altLang="en-IN" sz="5400" lang="en-US">
-                <a:solidFill>
-                  <a:srgbClr val="000000"/>
-                </a:solidFill>
-              </a:rPr>
-              <a:t>s</a:t>
-            </a:r>
-            <a:r>
-              <a:rPr altLang="en-IN" sz="5400" lang="en-US">
-                <a:solidFill>
-                  <a:srgbClr val="000000"/>
-                </a:solidFill>
-              </a:rPr>
-              <a:t>i</a:t>
-            </a:r>
-            <a:r>
-              <a:rPr altLang="en-IN" sz="5400" lang="en-US">
-                <a:solidFill>
-                  <a:srgbClr val="000000"/>
-                </a:solidFill>
-              </a:rPr>
-              <a:t>o</a:t>
-            </a:r>
-            <a:r>
-              <a:rPr altLang="en-IN" sz="5400" lang="en-US">
-                <a:solidFill>
-                  <a:srgbClr val="000000"/>
-                </a:solidFill>
-              </a:rPr>
-              <a:t>n</a:t>
-            </a:r>
-            <a:endParaRPr sz="2800" lang="en-IN">
-              <a:solidFill>
-                <a:srgbClr val="000000"/>
-              </a:solidFill>
-            </a:endParaRPr>
-          </a:p>
-        </p:txBody>
-      </p:sp>
-    </p:spTree>
-  </p:cSld>
-  <p:clrMapOvr>
-    <a:masterClrMapping/>
-  </p:clrMapOvr>
-</p:sld>
-</file>
-
-<file path=ppt/slides/slide14.xml><?xml version="1.0" encoding="utf-8"?>
-<p:sld xmlns:a="http://schemas.openxmlformats.org/drawingml/2006/main" xmlns:r="http://schemas.openxmlformats.org/officeDocument/2006/relationships" xmlns:p="http://schemas.openxmlformats.org/presentationml/2006/main">
-  <p:cSld>
-    <p:spTree>
-      <p:nvGrpSpPr>
-        <p:cNvPr id="48" name=""/>
-        <p:cNvGrpSpPr/>
-        <p:nvPr/>
-      </p:nvGrpSpPr>
-      <p:grpSpPr>
-        <a:xfrm>
-          <a:off x="0" y="0"/>
-          <a:ext cx="0" cy="0"/>
-          <a:chOff x="0" y="0"/>
-          <a:chExt cx="0" cy="0"/>
-        </a:xfrm>
-      </p:grpSpPr>
-      <p:sp>
-        <p:nvSpPr>
-          <p:cNvPr id="1048711" name=""/>
-          <p:cNvSpPr txBox="1"/>
-          <p:nvPr/>
-        </p:nvSpPr>
-        <p:spPr>
-          <a:xfrm>
-            <a:off x="288313" y="3173729"/>
-            <a:ext cx="11500732" cy="510540"/>
-          </a:xfrm>
-          <a:prstGeom prst="rect"/>
-        </p:spPr>
-        <p:txBody>
-          <a:bodyPr rtlCol="0" wrap="square">
-            <a:spAutoFit/>
-          </a:bodyPr>
-          <a:p>
-            <a:r>
-              <a:rPr sz="2800" lang="en-IN">
-                <a:solidFill>
-                  <a:srgbClr val="000000"/>
-                </a:solidFill>
-              </a:rPr>
-              <a:t>https://kavi16999.github.io/Naan-Mudhalvan-Portfolio/</a:t>
+              <a:t>/</a:t>
             </a:r>
             <a:endParaRPr sz="2800" lang="en-IN">
               <a:solidFill>
@@ -3645,7 +3662,7 @@
   <p:cSld>
     <p:spTree>
       <p:nvGrpSpPr>
-        <p:cNvPr id="25" name=""/>
+        <p:cNvPr id="28" name=""/>
         <p:cNvGrpSpPr/>
         <p:nvPr/>
       </p:nvGrpSpPr>
@@ -3665,7 +3682,7 @@
         </p:nvSpPr>
         <p:spPr>
           <a:xfrm>
-            <a:off x="0" y="0"/>
+            <a:off x="-365485" y="0"/>
             <a:ext cx="12192000" cy="6858000"/>
           </a:xfrm>
           <a:custGeom>
@@ -3700,16 +3717,115 @@
         <p:txBody>
           <a:bodyPr bIns="0" lIns="0" rIns="0" rtlCol="0" tIns="0" wrap="square"/>
           <a:p>
-            <a:endParaRPr dirty="0">
+            <a:endParaRPr dirty="0" sz="2800">
               <a:latin typeface="Times New Roman" panose="02020603050405020304" pitchFamily="18" charset="0"/>
               <a:cs typeface="Times New Roman" panose="02020603050405020304" pitchFamily="18" charset="0"/>
             </a:endParaRPr>
           </a:p>
+          <a:p>
+            <a:endParaRPr dirty="0" sz="2800">
+              <a:latin typeface="Times New Roman" panose="02020603050405020304" pitchFamily="18" charset="0"/>
+              <a:cs typeface="Times New Roman" panose="02020603050405020304" pitchFamily="18" charset="0"/>
+            </a:endParaRPr>
+          </a:p>
+          <a:p>
+            <a:endParaRPr dirty="0" sz="2800">
+              <a:latin typeface="Times New Roman" panose="02020603050405020304" pitchFamily="18" charset="0"/>
+              <a:cs typeface="Times New Roman" panose="02020603050405020304" pitchFamily="18" charset="0"/>
+            </a:endParaRPr>
+          </a:p>
+          <a:p>
+            <a:endParaRPr dirty="0" sz="2800">
+              <a:latin typeface="Times New Roman" panose="02020603050405020304" pitchFamily="18" charset="0"/>
+              <a:cs typeface="Times New Roman" panose="02020603050405020304" pitchFamily="18" charset="0"/>
+            </a:endParaRPr>
+          </a:p>
+          <a:p>
+            <a:endParaRPr dirty="0" sz="2800">
+              <a:latin typeface="Times New Roman" panose="02020603050405020304" pitchFamily="18" charset="0"/>
+              <a:cs typeface="Times New Roman" panose="02020603050405020304" pitchFamily="18" charset="0"/>
+            </a:endParaRPr>
+          </a:p>
+          <a:p>
+            <a:r>
+              <a:rPr altLang="en-IN" dirty="0" sz="2800" lang="en-US">
+                <a:latin typeface="Times New Roman" panose="02020603050405020304" pitchFamily="18" charset="0"/>
+                <a:cs typeface="Times New Roman" panose="02020603050405020304" pitchFamily="18" charset="0"/>
+              </a:rPr>
+              <a:t> </a:t>
+            </a:r>
+            <a:r>
+              <a:rPr altLang="en-IN" dirty="0" sz="2800" lang="en-US">
+                <a:latin typeface="Times New Roman" panose="02020603050405020304" pitchFamily="18" charset="0"/>
+                <a:cs typeface="Times New Roman" panose="02020603050405020304" pitchFamily="18" charset="0"/>
+              </a:rPr>
+              <a:t> </a:t>
+            </a:r>
+            <a:r>
+              <a:rPr altLang="en-IN" dirty="0" sz="2800" lang="en-US">
+                <a:latin typeface="Times New Roman" panose="02020603050405020304" pitchFamily="18" charset="0"/>
+                <a:cs typeface="Times New Roman" panose="02020603050405020304" pitchFamily="18" charset="0"/>
+              </a:rPr>
+              <a:t> </a:t>
+            </a:r>
+            <a:r>
+              <a:rPr altLang="en-IN" dirty="0" sz="2800" lang="en-US">
+                <a:latin typeface="Times New Roman" panose="02020603050405020304" pitchFamily="18" charset="0"/>
+                <a:cs typeface="Times New Roman" panose="02020603050405020304" pitchFamily="18" charset="0"/>
+              </a:rPr>
+              <a:t> </a:t>
+            </a:r>
+            <a:r>
+              <a:rPr altLang="en-IN" dirty="0" sz="2800" lang="en-US">
+                <a:latin typeface="Times New Roman" panose="02020603050405020304" pitchFamily="18" charset="0"/>
+                <a:cs typeface="Times New Roman" panose="02020603050405020304" pitchFamily="18" charset="0"/>
+              </a:rPr>
+              <a:t> </a:t>
+            </a:r>
+            <a:r>
+              <a:rPr altLang="en-IN" dirty="0" sz="2800" lang="en-US">
+                <a:latin typeface="Times New Roman" panose="02020603050405020304" pitchFamily="18" charset="0"/>
+                <a:cs typeface="Times New Roman" panose="02020603050405020304" pitchFamily="18" charset="0"/>
+              </a:rPr>
+              <a:t> </a:t>
+            </a:r>
+            <a:r>
+              <a:rPr altLang="en-IN" dirty="0" sz="2800" lang="en-US">
+                <a:latin typeface="Times New Roman" panose="02020603050405020304" pitchFamily="18" charset="0"/>
+                <a:cs typeface="Times New Roman" panose="02020603050405020304" pitchFamily="18" charset="0"/>
+              </a:rPr>
+              <a:t> </a:t>
+            </a:r>
+            <a:r>
+              <a:rPr altLang="en-IN" dirty="0" sz="2800" lang="en-US">
+                <a:latin typeface="Times New Roman" panose="02020603050405020304" pitchFamily="18" charset="0"/>
+                <a:cs typeface="Times New Roman" panose="02020603050405020304" pitchFamily="18" charset="0"/>
+              </a:rPr>
+              <a:t> </a:t>
+            </a:r>
+            <a:r>
+              <a:rPr altLang="en-IN" dirty="0" sz="4000" lang="en-US">
+                <a:latin typeface="Times New Roman" panose="02020603050405020304" pitchFamily="18" charset="0"/>
+                <a:cs typeface="Times New Roman" panose="02020603050405020304" pitchFamily="18" charset="0"/>
+              </a:rPr>
+              <a:t>Personal Portfolio Website – Kavitha N</a:t>
+            </a:r>
+            <a:endParaRPr dirty="0" sz="2800">
+              <a:latin typeface="Times New Roman" panose="02020603050405020304" pitchFamily="18" charset="0"/>
+              <a:cs typeface="Times New Roman" panose="02020603050405020304" pitchFamily="18" charset="0"/>
+            </a:endParaRPr>
+          </a:p>
+          <a:p>
+            <a:endParaRPr dirty="0" sz="2800">
+              <a:latin typeface="Times New Roman" panose="02020603050405020304" pitchFamily="18" charset="0"/>
+              <a:cs typeface="Times New Roman" panose="02020603050405020304" pitchFamily="18" charset="0"/>
+            </a:endParaRPr>
+          </a:p>
         </p:txBody>
       </p:sp>
       <p:grpSp>
         <p:nvGrpSpPr>
-          <p:cNvPr id="26" name="object 3"/>
+          <p:cNvPr id="29" name="object 3"/>
           <p:cNvGrpSpPr/>
           <p:nvPr/>
         </p:nvGrpSpPr>
@@ -4346,7 +4462,7 @@
       </p:sp>
       <p:grpSp>
         <p:nvGrpSpPr>
-          <p:cNvPr id="27" name="object 18"/>
+          <p:cNvPr id="30" name="object 18"/>
           <p:cNvGrpSpPr/>
           <p:nvPr/>
         </p:nvGrpSpPr>
@@ -4450,7 +4566,7 @@
   <p:cSld>
     <p:spTree>
       <p:nvGrpSpPr>
-        <p:cNvPr id="28" name=""/>
+        <p:cNvPr id="31" name=""/>
         <p:cNvGrpSpPr/>
         <p:nvPr/>
       </p:nvGrpSpPr>
@@ -4511,7 +4627,7 @@
       </p:sp>
       <p:grpSp>
         <p:nvGrpSpPr>
-          <p:cNvPr id="29" name="object 3"/>
+          <p:cNvPr id="32" name="object 3"/>
           <p:cNvGrpSpPr/>
           <p:nvPr/>
         </p:nvGrpSpPr>
@@ -5429,7 +5545,7 @@
       </p:pic>
       <p:grpSp>
         <p:nvGrpSpPr>
-          <p:cNvPr id="30" name="object 18"/>
+          <p:cNvPr id="33" name="object 18"/>
           <p:cNvGrpSpPr/>
           <p:nvPr/>
         </p:nvGrpSpPr>
@@ -5825,7 +5941,7 @@
   <p:cSld>
     <p:spTree>
       <p:nvGrpSpPr>
-        <p:cNvPr id="31" name=""/>
+        <p:cNvPr id="34" name=""/>
         <p:cNvGrpSpPr/>
         <p:nvPr/>
       </p:nvGrpSpPr>
@@ -5839,7 +5955,7 @@
       </p:grpSpPr>
       <p:grpSp>
         <p:nvGrpSpPr>
-          <p:cNvPr id="32" name="object 2"/>
+          <p:cNvPr id="35" name="object 2"/>
           <p:cNvGrpSpPr/>
           <p:nvPr/>
         </p:nvGrpSpPr>
@@ -6156,7 +6272,7 @@
       </p:sp>
       <p:sp>
         <p:nvSpPr>
-          <p:cNvPr id="1048700" name=""/>
+          <p:cNvPr id="1048648" name=""/>
           <p:cNvSpPr txBox="1"/>
           <p:nvPr/>
         </p:nvSpPr>
@@ -6201,7 +6317,7 @@
   <p:cSld>
     <p:spTree>
       <p:nvGrpSpPr>
-        <p:cNvPr id="33" name=""/>
+        <p:cNvPr id="36" name=""/>
         <p:cNvGrpSpPr/>
         <p:nvPr/>
       </p:nvGrpSpPr>
@@ -6215,7 +6331,7 @@
       </p:grpSpPr>
       <p:grpSp>
         <p:nvGrpSpPr>
-          <p:cNvPr id="34" name="object 2"/>
+          <p:cNvPr id="37" name="object 2"/>
           <p:cNvGrpSpPr/>
           <p:nvPr/>
         </p:nvGrpSpPr>
@@ -6229,7 +6345,7 @@
         </p:grpSpPr>
         <p:sp>
           <p:nvSpPr>
-            <p:cNvPr id="1048648" name="object 3"/>
+            <p:cNvPr id="1048649" name="object 3"/>
             <p:cNvSpPr/>
             <p:nvPr/>
           </p:nvSpPr>
@@ -6274,7 +6390,7 @@
         </p:sp>
         <p:sp>
           <p:nvSpPr>
-            <p:cNvPr id="1048649" name="object 4"/>
+            <p:cNvPr id="1048650" name="object 4"/>
             <p:cNvSpPr/>
             <p:nvPr/>
           </p:nvSpPr>
@@ -6342,7 +6458,7 @@
       </p:grpSp>
       <p:sp>
         <p:nvSpPr>
-          <p:cNvPr id="1048650" name="object 6"/>
+          <p:cNvPr id="1048651" name="object 6"/>
           <p:cNvSpPr/>
           <p:nvPr/>
         </p:nvSpPr>
@@ -6387,7 +6503,7 @@
       </p:sp>
       <p:sp>
         <p:nvSpPr>
-          <p:cNvPr id="1048651" name="object 7"/>
+          <p:cNvPr id="1048652" name="object 7"/>
           <p:cNvSpPr txBox="1">
             <a:spLocks noGrp="1"/>
           </p:cNvSpPr>
@@ -6454,7 +6570,7 @@
       </p:pic>
       <p:sp>
         <p:nvSpPr>
-          <p:cNvPr id="1048652" name="object 10"/>
+          <p:cNvPr id="1048653" name="object 10"/>
           <p:cNvSpPr txBox="1">
             <a:spLocks noGrp="1"/>
           </p:cNvSpPr>
@@ -6488,7 +6604,7 @@
       </p:sp>
       <p:sp>
         <p:nvSpPr>
-          <p:cNvPr id="1048701" name=""/>
+          <p:cNvPr id="1048654" name=""/>
           <p:cNvSpPr txBox="1"/>
           <p:nvPr/>
         </p:nvSpPr>
@@ -6533,7 +6649,7 @@
   <p:cSld>
     <p:spTree>
       <p:nvGrpSpPr>
-        <p:cNvPr id="35" name=""/>
+        <p:cNvPr id="38" name=""/>
         <p:cNvGrpSpPr/>
         <p:nvPr/>
       </p:nvGrpSpPr>
@@ -6547,7 +6663,7 @@
       </p:grpSpPr>
       <p:sp>
         <p:nvSpPr>
-          <p:cNvPr id="1048653" name="object 2"/>
+          <p:cNvPr id="1048655" name="object 2"/>
           <p:cNvSpPr/>
           <p:nvPr/>
         </p:nvSpPr>
@@ -6592,7 +6708,7 @@
       </p:sp>
       <p:sp>
         <p:nvSpPr>
-          <p:cNvPr id="1048654" name="object 3"/>
+          <p:cNvPr id="1048656" name="object 3"/>
           <p:cNvSpPr/>
           <p:nvPr/>
         </p:nvSpPr>
@@ -6637,7 +6753,7 @@
       </p:sp>
       <p:sp>
         <p:nvSpPr>
-          <p:cNvPr id="1048655" name="object 4"/>
+          <p:cNvPr id="1048657" name="object 4"/>
           <p:cNvSpPr/>
           <p:nvPr/>
         </p:nvSpPr>
@@ -6682,7 +6798,7 @@
       </p:sp>
       <p:sp>
         <p:nvSpPr>
-          <p:cNvPr id="1048656" name="object 5"/>
+          <p:cNvPr id="1048658" name="object 5"/>
           <p:cNvSpPr txBox="1">
             <a:spLocks noGrp="1"/>
           </p:cNvSpPr>
@@ -6818,7 +6934,7 @@
       </p:pic>
       <p:sp>
         <p:nvSpPr>
-          <p:cNvPr id="1048657" name="object 8"/>
+          <p:cNvPr id="1048659" name="object 8"/>
           <p:cNvSpPr txBox="1">
             <a:spLocks noGrp="1"/>
           </p:cNvSpPr>
@@ -6852,7 +6968,7 @@
       </p:sp>
       <p:sp>
         <p:nvSpPr>
-          <p:cNvPr id="1048702" name=""/>
+          <p:cNvPr id="1048660" name=""/>
           <p:cNvSpPr txBox="1"/>
           <p:nvPr/>
         </p:nvSpPr>
@@ -6900,7 +7016,7 @@
   <p:cSld>
     <p:spTree>
       <p:nvGrpSpPr>
-        <p:cNvPr id="36" name=""/>
+        <p:cNvPr id="39" name=""/>
         <p:cNvGrpSpPr/>
         <p:nvPr/>
       </p:nvGrpSpPr>
@@ -6936,7 +7052,7 @@
       </p:pic>
       <p:sp>
         <p:nvSpPr>
-          <p:cNvPr id="1048658" name="object 3"/>
+          <p:cNvPr id="1048661" name="object 3"/>
           <p:cNvSpPr/>
           <p:nvPr/>
         </p:nvSpPr>
@@ -6981,7 +7097,7 @@
       </p:sp>
       <p:sp>
         <p:nvSpPr>
-          <p:cNvPr id="1048659" name="object 4"/>
+          <p:cNvPr id="1048662" name="object 4"/>
           <p:cNvSpPr/>
           <p:nvPr/>
         </p:nvSpPr>
@@ -7026,7 +7142,7 @@
       </p:sp>
       <p:sp>
         <p:nvSpPr>
-          <p:cNvPr id="1048660" name="object 5"/>
+          <p:cNvPr id="1048663" name="object 5"/>
           <p:cNvSpPr/>
           <p:nvPr/>
         </p:nvSpPr>
@@ -7071,7 +7187,7 @@
       </p:sp>
       <p:sp>
         <p:nvSpPr>
-          <p:cNvPr id="1048661" name="object 6"/>
+          <p:cNvPr id="1048664" name="object 6"/>
           <p:cNvSpPr txBox="1">
             <a:spLocks noGrp="1"/>
           </p:cNvSpPr>
@@ -7131,7 +7247,7 @@
       </p:pic>
       <p:sp>
         <p:nvSpPr>
-          <p:cNvPr id="1048662" name="object 9"/>
+          <p:cNvPr id="1048665" name="object 9"/>
           <p:cNvSpPr txBox="1">
             <a:spLocks noGrp="1"/>
           </p:cNvSpPr>
@@ -7165,7 +7281,7 @@
       </p:sp>
       <p:sp>
         <p:nvSpPr>
-          <p:cNvPr id="1048703" name=""/>
+          <p:cNvPr id="1048666" name=""/>
           <p:cNvSpPr txBox="1"/>
           <p:nvPr/>
         </p:nvSpPr>
@@ -7213,7 +7329,7 @@
   <p:cSld>
     <p:spTree>
       <p:nvGrpSpPr>
-        <p:cNvPr id="37" name=""/>
+        <p:cNvPr id="40" name=""/>
         <p:cNvGrpSpPr/>
         <p:nvPr/>
       </p:nvGrpSpPr>
@@ -7227,7 +7343,7 @@
       </p:grpSpPr>
       <p:sp>
         <p:nvSpPr>
-          <p:cNvPr id="1048663" name="object 5"/>
+          <p:cNvPr id="1048667" name="object 5"/>
           <p:cNvSpPr/>
           <p:nvPr/>
         </p:nvSpPr>
@@ -7294,7 +7410,7 @@
       </p:pic>
       <p:sp>
         <p:nvSpPr>
-          <p:cNvPr id="1048664" name="object 9"/>
+          <p:cNvPr id="1048668" name="object 9"/>
           <p:cNvSpPr txBox="1"/>
           <p:nvPr/>
         </p:nvSpPr>
@@ -7337,7 +7453,7 @@
       </p:sp>
       <p:sp>
         <p:nvSpPr>
-          <p:cNvPr id="1048665" name="object 8"/>
+          <p:cNvPr id="1048669" name="object 8"/>
           <p:cNvSpPr txBox="1"/>
           <p:nvPr/>
         </p:nvSpPr>
@@ -7377,7 +7493,7 @@
       </p:sp>
       <p:sp>
         <p:nvSpPr>
-          <p:cNvPr id="1048666" name="object 3"/>
+          <p:cNvPr id="1048670" name="object 3"/>
           <p:cNvSpPr/>
           <p:nvPr/>
         </p:nvSpPr>
@@ -7422,7 +7538,7 @@
       </p:sp>
       <p:sp>
         <p:nvSpPr>
-          <p:cNvPr id="1048704" name=""/>
+          <p:cNvPr id="1048671" name=""/>
           <p:cNvSpPr txBox="1"/>
           <p:nvPr/>
         </p:nvSpPr>
@@ -7471,7 +7587,7 @@
   <p:cSld>
     <p:spTree>
       <p:nvGrpSpPr>
-        <p:cNvPr id="38" name=""/>
+        <p:cNvPr id="41" name=""/>
         <p:cNvGrpSpPr/>
         <p:nvPr/>
       </p:nvGrpSpPr>
@@ -7485,7 +7601,7 @@
       </p:grpSpPr>
       <p:sp>
         <p:nvSpPr>
-          <p:cNvPr id="1048667" name="Title 1"/>
+          <p:cNvPr id="1048672" name="Title 1"/>
           <p:cNvSpPr>
             <a:spLocks noGrp="1"/>
           </p:cNvSpPr>
@@ -7511,7 +7627,7 @@
       </p:sp>
       <p:sp>
         <p:nvSpPr>
-          <p:cNvPr id="1048705" name=""/>
+          <p:cNvPr id="1048673" name=""/>
           <p:cNvSpPr txBox="1"/>
           <p:nvPr/>
         </p:nvSpPr>
